--- a/Calendario2025/presentaciones/15_POO_Encapsulamiento.pptx
+++ b/Calendario2025/presentaciones/15_POO_Encapsulamiento.pptx
@@ -215,7 +215,7 @@
           <a:p>
             <a:fld id="{DDE721D5-655F-45D2-B717-3C4CD78C8568}" type="datetimeFigureOut">
               <a:rPr lang="es-MX" smtClean="0"/>
-              <a:t>23/08/2024</a:t>
+              <a:t>28/02/2025</a:t>
             </a:fld>
             <a:endParaRPr lang="es-MX" dirty="0"/>
           </a:p>
@@ -664,7 +664,7 @@
           <a:p>
             <a:fld id="{B3F3E716-CACC-4490-AD07-F24B6A68DE47}" type="datetimeFigureOut">
               <a:rPr lang="es-MX" smtClean="0"/>
-              <a:t>23/08/2024</a:t>
+              <a:t>28/02/2025</a:t>
             </a:fld>
             <a:endParaRPr lang="es-MX" dirty="0"/>
           </a:p>
@@ -834,7 +834,7 @@
           <a:p>
             <a:fld id="{B3F3E716-CACC-4490-AD07-F24B6A68DE47}" type="datetimeFigureOut">
               <a:rPr lang="es-MX" smtClean="0"/>
-              <a:t>23/08/2024</a:t>
+              <a:t>28/02/2025</a:t>
             </a:fld>
             <a:endParaRPr lang="es-MX" dirty="0"/>
           </a:p>
@@ -1014,7 +1014,7 @@
           <a:p>
             <a:fld id="{B3F3E716-CACC-4490-AD07-F24B6A68DE47}" type="datetimeFigureOut">
               <a:rPr lang="es-MX" smtClean="0"/>
-              <a:t>23/08/2024</a:t>
+              <a:t>28/02/2025</a:t>
             </a:fld>
             <a:endParaRPr lang="es-MX" dirty="0"/>
           </a:p>
@@ -1167,7 +1167,7 @@
           <a:p>
             <a:fld id="{1D8BD707-D9CF-40AE-B4C6-C98DA3205C09}" type="datetimeFigureOut">
               <a:rPr lang="en-US" smtClean="0"/>
-              <a:t>8/23/2024</a:t>
+              <a:t>2/28/2025</a:t>
             </a:fld>
             <a:endParaRPr lang="en-US" dirty="0"/>
           </a:p>
@@ -1624,7 +1624,7 @@
           <a:p>
             <a:fld id="{B3F3E716-CACC-4490-AD07-F24B6A68DE47}" type="datetimeFigureOut">
               <a:rPr lang="es-MX" smtClean="0"/>
-              <a:t>23/08/2024</a:t>
+              <a:t>28/02/2025</a:t>
             </a:fld>
             <a:endParaRPr lang="es-MX" dirty="0"/>
           </a:p>
@@ -1870,7 +1870,7 @@
           <a:p>
             <a:fld id="{B3F3E716-CACC-4490-AD07-F24B6A68DE47}" type="datetimeFigureOut">
               <a:rPr lang="es-MX" smtClean="0"/>
-              <a:t>23/08/2024</a:t>
+              <a:t>28/02/2025</a:t>
             </a:fld>
             <a:endParaRPr lang="es-MX" dirty="0"/>
           </a:p>
@@ -2158,7 +2158,7 @@
           <a:p>
             <a:fld id="{B3F3E716-CACC-4490-AD07-F24B6A68DE47}" type="datetimeFigureOut">
               <a:rPr lang="es-MX" smtClean="0"/>
-              <a:t>23/08/2024</a:t>
+              <a:t>28/02/2025</a:t>
             </a:fld>
             <a:endParaRPr lang="es-MX" dirty="0"/>
           </a:p>
@@ -2580,7 +2580,7 @@
           <a:p>
             <a:fld id="{B3F3E716-CACC-4490-AD07-F24B6A68DE47}" type="datetimeFigureOut">
               <a:rPr lang="es-MX" smtClean="0"/>
-              <a:t>23/08/2024</a:t>
+              <a:t>28/02/2025</a:t>
             </a:fld>
             <a:endParaRPr lang="es-MX" dirty="0"/>
           </a:p>
@@ -2698,7 +2698,7 @@
           <a:p>
             <a:fld id="{B3F3E716-CACC-4490-AD07-F24B6A68DE47}" type="datetimeFigureOut">
               <a:rPr lang="es-MX" smtClean="0"/>
-              <a:t>23/08/2024</a:t>
+              <a:t>28/02/2025</a:t>
             </a:fld>
             <a:endParaRPr lang="es-MX" dirty="0"/>
           </a:p>
@@ -2793,7 +2793,7 @@
           <a:p>
             <a:fld id="{B3F3E716-CACC-4490-AD07-F24B6A68DE47}" type="datetimeFigureOut">
               <a:rPr lang="es-MX" smtClean="0"/>
-              <a:t>23/08/2024</a:t>
+              <a:t>28/02/2025</a:t>
             </a:fld>
             <a:endParaRPr lang="es-MX" dirty="0"/>
           </a:p>
@@ -3070,7 +3070,7 @@
           <a:p>
             <a:fld id="{B3F3E716-CACC-4490-AD07-F24B6A68DE47}" type="datetimeFigureOut">
               <a:rPr lang="es-MX" smtClean="0"/>
-              <a:t>23/08/2024</a:t>
+              <a:t>28/02/2025</a:t>
             </a:fld>
             <a:endParaRPr lang="es-MX" dirty="0"/>
           </a:p>
@@ -3323,7 +3323,7 @@
           <a:p>
             <a:fld id="{B3F3E716-CACC-4490-AD07-F24B6A68DE47}" type="datetimeFigureOut">
               <a:rPr lang="es-MX" smtClean="0"/>
-              <a:t>23/08/2024</a:t>
+              <a:t>28/02/2025</a:t>
             </a:fld>
             <a:endParaRPr lang="es-MX" dirty="0"/>
           </a:p>
@@ -3536,7 +3536,7 @@
           <a:p>
             <a:fld id="{B3F3E716-CACC-4490-AD07-F24B6A68DE47}" type="datetimeFigureOut">
               <a:rPr lang="es-MX" smtClean="0"/>
-              <a:t>23/08/2024</a:t>
+              <a:t>28/02/2025</a:t>
             </a:fld>
             <a:endParaRPr lang="es-MX" dirty="0"/>
           </a:p>
@@ -4156,8 +4156,8 @@
         </p:nvSpPr>
         <p:spPr>
           <a:xfrm>
-            <a:off x="926596" y="1484784"/>
-            <a:ext cx="7390903" cy="1470670"/>
+            <a:off x="759117" y="1143000"/>
+            <a:ext cx="7629307" cy="2285999"/>
           </a:xfrm>
           <a:prstGeom prst="rect">
             <a:avLst/>
@@ -4305,14 +4305,13 @@
             </a:lvl9pPr>
           </a:lstStyle>
           <a:p>
-            <a:pPr marL="0" indent="0" algn="just">
+            <a:pPr algn="just">
               <a:lnSpc>
                 <a:spcPct val="150000"/>
               </a:lnSpc>
               <a:spcBef>
                 <a:spcPct val="0"/>
               </a:spcBef>
-              <a:buNone/>
             </a:pPr>
             <a:r>
               <a:rPr lang="es-ES" altLang="es-MX" sz="1600" dirty="0">
@@ -4345,7 +4344,7 @@
                 </a:solidFill>
                 <a:latin typeface="Dom Casual" charset="0"/>
               </a:rPr>
-              <a:t>, es conocida como </a:t>
+              <a:t> es conocida como </a:t>
             </a:r>
             <a:r>
               <a:rPr lang="es-ES" altLang="es-MX" sz="1600" b="1" dirty="0">
@@ -4389,7 +4388,105 @@
                 </a:solidFill>
                 <a:latin typeface="Dom Casual" charset="0"/>
               </a:rPr>
-              <a:t>pueden ocultarse (superficialmente) para que no sean accedidos desde fuera de la definición de una clase.</a:t>
+              <a:t>pueden ocultarse (superficialmente) para que no sean accedidos desde fuera de la definición de una clase. </a:t>
+            </a:r>
+          </a:p>
+          <a:p>
+            <a:pPr algn="just">
+              <a:lnSpc>
+                <a:spcPct val="150000"/>
+              </a:lnSpc>
+              <a:spcBef>
+                <a:spcPct val="0"/>
+              </a:spcBef>
+            </a:pPr>
+            <a:r>
+              <a:rPr lang="es-MX" altLang="es-MX" sz="1600" dirty="0">
+                <a:solidFill>
+                  <a:schemeClr val="bg2">
+                    <a:lumMod val="10000"/>
+                  </a:schemeClr>
+                </a:solidFill>
+                <a:latin typeface="Dom Casual" charset="0"/>
+              </a:rPr>
+              <a:t>La </a:t>
+            </a:r>
+            <a:r>
+              <a:rPr lang="es-MX" altLang="es-MX" sz="1600" b="1" dirty="0">
+                <a:solidFill>
+                  <a:schemeClr val="accent6">
+                    <a:lumMod val="75000"/>
+                  </a:schemeClr>
+                </a:solidFill>
+                <a:latin typeface="Dom Casual" charset="0"/>
+              </a:rPr>
+              <a:t>encapsulación</a:t>
+            </a:r>
+            <a:r>
+              <a:rPr lang="es-MX" altLang="es-MX" sz="1600" dirty="0">
+                <a:solidFill>
+                  <a:schemeClr val="bg2">
+                    <a:lumMod val="10000"/>
+                  </a:schemeClr>
+                </a:solidFill>
+                <a:latin typeface="Dom Casual" charset="0"/>
+              </a:rPr>
+              <a:t> en POO es importante porque permite ocultar los detalles internos de una clase y proteger su estado interno de </a:t>
+            </a:r>
+            <a:r>
+              <a:rPr lang="es-MX" altLang="es-MX" sz="1600" b="1" dirty="0">
+                <a:solidFill>
+                  <a:schemeClr val="bg2">
+                    <a:lumMod val="10000"/>
+                  </a:schemeClr>
+                </a:solidFill>
+                <a:latin typeface="Dom Casual" charset="0"/>
+              </a:rPr>
+              <a:t>modificaciones indebidas</a:t>
+            </a:r>
+            <a:r>
+              <a:rPr lang="es-MX" altLang="es-MX" sz="1600" dirty="0">
+                <a:solidFill>
+                  <a:schemeClr val="bg2">
+                    <a:lumMod val="10000"/>
+                  </a:schemeClr>
+                </a:solidFill>
+                <a:latin typeface="Dom Casual" charset="0"/>
+              </a:rPr>
+              <a:t>. </a:t>
+            </a:r>
+            <a:r>
+              <a:rPr lang="es-MX" sz="1600" dirty="0">
+                <a:solidFill>
+                  <a:schemeClr val="bg2">
+                    <a:lumMod val="10000"/>
+                  </a:schemeClr>
+                </a:solidFill>
+                <a:latin typeface="Dom Casual" charset="0"/>
+              </a:rPr>
+              <a:t>Esto se logra mediante el uso de modificadores de acceso</a:t>
+            </a:r>
+            <a:r>
+              <a:rPr lang="es-MX" sz="1600" b="1" dirty="0">
+                <a:solidFill>
+                  <a:schemeClr val="bg2">
+                    <a:lumMod val="10000"/>
+                  </a:schemeClr>
+                </a:solidFill>
+                <a:latin typeface="Dom Casual" charset="0"/>
+              </a:rPr>
+              <a:t> privado</a:t>
+            </a:r>
+            <a:r>
+              <a:rPr lang="es-MX" sz="1600" dirty="0">
+                <a:solidFill>
+                  <a:schemeClr val="bg2">
+                    <a:lumMod val="10000"/>
+                  </a:schemeClr>
+                </a:solidFill>
+                <a:latin typeface="Dom Casual" charset="0"/>
+              </a:rPr>
+              <a:t>. </a:t>
             </a:r>
             <a:endParaRPr lang="es-ES_tradnl" altLang="es-MX" sz="1600" dirty="0">
               <a:solidFill>
@@ -4424,7 +4521,7 @@
         </p:blipFill>
         <p:spPr>
           <a:xfrm>
-            <a:off x="2051720" y="3059236"/>
+            <a:off x="2051720" y="3501008"/>
             <a:ext cx="5400675" cy="3209925"/>
           </a:xfrm>
           <a:prstGeom prst="rect">
